--- a/infographic/archive/blood_donation_2024-01-27.pptx
+++ b/infographic/archive/blood_donation_2024-01-27.pptx
@@ -7067,7 +7067,7 @@
                 </a:solidFill>
                 <a:latin typeface="Aharoni"/>
               </a:rPr>
-              <a:t>New: 495</a:t>
+              <a:t>+495</a:t>
             </a:r>
           </a:p>
         </p:txBody>

--- a/infographic/archive/blood_donation_2024-01-27.pptx
+++ b/infographic/archive/blood_donation_2024-01-27.pptx
@@ -110,12 +110,12 @@
   <p:extLst>
     <p:ext uri="{EFAFB233-063F-42B5-8137-9DF3F51BA10A}">
       <p15:sldGuideLst xmlns:p15="http://schemas.microsoft.com/office/powerpoint/2012/main">
-        <p15:guide id="1" orient="horz" pos="10205" userDrawn="1">
+        <p15:guide id="2" pos="9536" userDrawn="1">
           <p15:clr>
             <a:srgbClr val="A4A3A4"/>
           </p15:clr>
         </p15:guide>
-        <p15:guide id="2" pos="9536" userDrawn="1">
+        <p15:guide id="4" orient="horz" pos="10205" userDrawn="1">
           <p15:clr>
             <a:srgbClr val="A4A3A4"/>
           </p15:clr>
@@ -211,7 +211,7 @@
           <a:p>
             <a:fld id="{1DE40755-8679-4EBC-9EFA-4F99D54FDAB0}" type="datetimeFigureOut">
               <a:rPr lang="en-MY" smtClean="0"/>
-              <a:t>28/1/2024</a:t>
+              <a:t>29/1/2024</a:t>
             </a:fld>
             <a:endParaRPr lang="en-MY"/>
           </a:p>
@@ -715,7 +715,7 @@
           <a:p>
             <a:fld id="{FDA1C1AF-7B8C-40AE-9551-7C06C9AE4EEC}" type="datetimeFigureOut">
               <a:rPr lang="en-MY" smtClean="0"/>
-              <a:t>28/1/2024</a:t>
+              <a:t>29/1/2024</a:t>
             </a:fld>
             <a:endParaRPr lang="en-MY"/>
           </a:p>
@@ -901,7 +901,7 @@
           <a:p>
             <a:fld id="{FDA1C1AF-7B8C-40AE-9551-7C06C9AE4EEC}" type="datetimeFigureOut">
               <a:rPr lang="en-MY" smtClean="0"/>
-              <a:t>28/1/2024</a:t>
+              <a:t>29/1/2024</a:t>
             </a:fld>
             <a:endParaRPr lang="en-MY"/>
           </a:p>
@@ -1081,7 +1081,7 @@
           <a:p>
             <a:fld id="{FDA1C1AF-7B8C-40AE-9551-7C06C9AE4EEC}" type="datetimeFigureOut">
               <a:rPr lang="en-MY" smtClean="0"/>
-              <a:t>28/1/2024</a:t>
+              <a:t>29/1/2024</a:t>
             </a:fld>
             <a:endParaRPr lang="en-MY"/>
           </a:p>
@@ -1251,7 +1251,7 @@
           <a:p>
             <a:fld id="{FDA1C1AF-7B8C-40AE-9551-7C06C9AE4EEC}" type="datetimeFigureOut">
               <a:rPr lang="en-MY" smtClean="0"/>
-              <a:t>28/1/2024</a:t>
+              <a:t>29/1/2024</a:t>
             </a:fld>
             <a:endParaRPr lang="en-MY"/>
           </a:p>
@@ -1495,7 +1495,7 @@
           <a:p>
             <a:fld id="{FDA1C1AF-7B8C-40AE-9551-7C06C9AE4EEC}" type="datetimeFigureOut">
               <a:rPr lang="en-MY" smtClean="0"/>
-              <a:t>28/1/2024</a:t>
+              <a:t>29/1/2024</a:t>
             </a:fld>
             <a:endParaRPr lang="en-MY"/>
           </a:p>
@@ -1727,7 +1727,7 @@
           <a:p>
             <a:fld id="{FDA1C1AF-7B8C-40AE-9551-7C06C9AE4EEC}" type="datetimeFigureOut">
               <a:rPr lang="en-MY" smtClean="0"/>
-              <a:t>28/1/2024</a:t>
+              <a:t>29/1/2024</a:t>
             </a:fld>
             <a:endParaRPr lang="en-MY"/>
           </a:p>
@@ -2094,7 +2094,7 @@
           <a:p>
             <a:fld id="{FDA1C1AF-7B8C-40AE-9551-7C06C9AE4EEC}" type="datetimeFigureOut">
               <a:rPr lang="en-MY" smtClean="0"/>
-              <a:t>28/1/2024</a:t>
+              <a:t>29/1/2024</a:t>
             </a:fld>
             <a:endParaRPr lang="en-MY"/>
           </a:p>
@@ -2212,7 +2212,7 @@
           <a:p>
             <a:fld id="{FDA1C1AF-7B8C-40AE-9551-7C06C9AE4EEC}" type="datetimeFigureOut">
               <a:rPr lang="en-MY" smtClean="0"/>
-              <a:t>28/1/2024</a:t>
+              <a:t>29/1/2024</a:t>
             </a:fld>
             <a:endParaRPr lang="en-MY"/>
           </a:p>
@@ -2307,7 +2307,7 @@
           <a:p>
             <a:fld id="{FDA1C1AF-7B8C-40AE-9551-7C06C9AE4EEC}" type="datetimeFigureOut">
               <a:rPr lang="en-MY" smtClean="0"/>
-              <a:t>28/1/2024</a:t>
+              <a:t>29/1/2024</a:t>
             </a:fld>
             <a:endParaRPr lang="en-MY"/>
           </a:p>
@@ -2584,7 +2584,7 @@
           <a:p>
             <a:fld id="{FDA1C1AF-7B8C-40AE-9551-7C06C9AE4EEC}" type="datetimeFigureOut">
               <a:rPr lang="en-MY" smtClean="0"/>
-              <a:t>28/1/2024</a:t>
+              <a:t>29/1/2024</a:t>
             </a:fld>
             <a:endParaRPr lang="en-MY"/>
           </a:p>
@@ -2841,7 +2841,7 @@
           <a:p>
             <a:fld id="{FDA1C1AF-7B8C-40AE-9551-7C06C9AE4EEC}" type="datetimeFigureOut">
               <a:rPr lang="en-MY" smtClean="0"/>
-              <a:t>28/1/2024</a:t>
+              <a:t>29/1/2024</a:t>
             </a:fld>
             <a:endParaRPr lang="en-MY"/>
           </a:p>
@@ -3054,7 +3054,7 @@
           <a:p>
             <a:fld id="{FDA1C1AF-7B8C-40AE-9551-7C06C9AE4EEC}" type="datetimeFigureOut">
               <a:rPr lang="en-MY" smtClean="0"/>
-              <a:t>28/1/2024</a:t>
+              <a:t>29/1/2024</a:t>
             </a:fld>
             <a:endParaRPr lang="en-MY"/>
           </a:p>
@@ -4002,8 +4002,8 @@
         </p:nvSpPr>
         <p:spPr>
           <a:xfrm>
-            <a:off x="3690574" y="21976553"/>
-            <a:ext cx="4994033" cy="2133496"/>
+            <a:off x="21641292" y="7570051"/>
+            <a:ext cx="5015356" cy="2133496"/>
           </a:xfrm>
           <a:prstGeom prst="roundRect">
             <a:avLst/>
@@ -4054,7 +4054,7 @@
         </p:nvSpPr>
         <p:spPr>
           <a:xfrm>
-            <a:off x="1486484" y="21958813"/>
+            <a:off x="25963471" y="7579777"/>
             <a:ext cx="2860433" cy="2156942"/>
           </a:xfrm>
           <a:prstGeom prst="roundRect">
@@ -4116,8 +4116,8 @@
         </p:nvSpPr>
         <p:spPr>
           <a:xfrm>
-            <a:off x="4370517" y="22095651"/>
-            <a:ext cx="4267345" cy="584775"/>
+            <a:off x="21628045" y="7757686"/>
+            <a:ext cx="4310491" cy="584775"/>
           </a:xfrm>
           <a:prstGeom prst="rect">
             <a:avLst/>
@@ -4161,8 +4161,8 @@
         </p:nvSpPr>
         <p:spPr>
           <a:xfrm>
-            <a:off x="4311896" y="22634846"/>
-            <a:ext cx="4360984" cy="461665"/>
+            <a:off x="21628046" y="8344604"/>
+            <a:ext cx="4342591" cy="707886"/>
           </a:xfrm>
           <a:prstGeom prst="rect">
             <a:avLst/>
@@ -4202,8 +4202,8 @@
         </p:nvSpPr>
         <p:spPr>
           <a:xfrm>
-            <a:off x="3667126" y="13320843"/>
-            <a:ext cx="4994033" cy="2133496"/>
+            <a:off x="3620384" y="24851360"/>
+            <a:ext cx="5033621" cy="2164080"/>
           </a:xfrm>
           <a:prstGeom prst="roundRect">
             <a:avLst/>
@@ -4254,8 +4254,8 @@
         </p:nvSpPr>
         <p:spPr>
           <a:xfrm>
-            <a:off x="1512191" y="13320843"/>
-            <a:ext cx="2860433" cy="2156942"/>
+            <a:off x="1474423" y="24851360"/>
+            <a:ext cx="2878255" cy="2126348"/>
           </a:xfrm>
           <a:prstGeom prst="roundRect">
             <a:avLst/>
@@ -4315,8 +4315,8 @@
         </p:nvSpPr>
         <p:spPr>
           <a:xfrm>
-            <a:off x="4288451" y="13439941"/>
-            <a:ext cx="4325961" cy="584775"/>
+            <a:off x="4343704" y="24943122"/>
+            <a:ext cx="4223966" cy="584775"/>
           </a:xfrm>
           <a:prstGeom prst="rect">
             <a:avLst/>
@@ -4360,8 +4360,8 @@
         </p:nvSpPr>
         <p:spPr>
           <a:xfrm>
-            <a:off x="4358788" y="13979134"/>
-            <a:ext cx="4314092" cy="830997"/>
+            <a:off x="4352678" y="25482315"/>
+            <a:ext cx="4273460" cy="830997"/>
           </a:xfrm>
           <a:prstGeom prst="rect">
             <a:avLst/>
@@ -4401,7 +4401,7 @@
         </p:nvSpPr>
         <p:spPr>
           <a:xfrm>
-            <a:off x="21662615" y="7549721"/>
+            <a:off x="21649521" y="16202972"/>
             <a:ext cx="4994033" cy="2133496"/>
           </a:xfrm>
           <a:prstGeom prst="roundRect">
@@ -4453,7 +4453,7 @@
         </p:nvSpPr>
         <p:spPr>
           <a:xfrm>
-            <a:off x="25976565" y="7557558"/>
+            <a:off x="25963471" y="16210809"/>
             <a:ext cx="2860433" cy="2156942"/>
           </a:xfrm>
           <a:prstGeom prst="roundRect">
@@ -4514,7 +4514,7 @@
         </p:nvSpPr>
         <p:spPr>
           <a:xfrm>
-            <a:off x="21662613" y="7668818"/>
+            <a:off x="22026458" y="14021638"/>
             <a:ext cx="4278777" cy="584775"/>
           </a:xfrm>
           <a:prstGeom prst="rect">
@@ -4559,7 +4559,7 @@
         </p:nvSpPr>
         <p:spPr>
           <a:xfrm>
-            <a:off x="21662613" y="8208011"/>
+            <a:off x="22026458" y="14560831"/>
             <a:ext cx="4337388" cy="830997"/>
           </a:xfrm>
           <a:prstGeom prst="rect">
@@ -4600,7 +4600,7 @@
         </p:nvSpPr>
         <p:spPr>
           <a:xfrm>
-            <a:off x="3620376" y="7581004"/>
+            <a:off x="21614325" y="21980445"/>
             <a:ext cx="4994033" cy="2133496"/>
           </a:xfrm>
           <a:prstGeom prst="roundRect">
@@ -4652,8 +4652,8 @@
         </p:nvSpPr>
         <p:spPr>
           <a:xfrm>
-            <a:off x="4241701" y="7700102"/>
-            <a:ext cx="4360982" cy="584775"/>
+            <a:off x="21628046" y="22099543"/>
+            <a:ext cx="4324498" cy="584775"/>
           </a:xfrm>
           <a:prstGeom prst="rect">
             <a:avLst/>
@@ -4695,8 +4695,8 @@
         </p:nvSpPr>
         <p:spPr>
           <a:xfrm>
-            <a:off x="4346917" y="8239296"/>
-            <a:ext cx="4255769" cy="461665"/>
+            <a:off x="21610725" y="22841211"/>
+            <a:ext cx="4341818" cy="461665"/>
           </a:xfrm>
           <a:prstGeom prst="rect">
             <a:avLst/>
@@ -4736,7 +4736,7 @@
         </p:nvSpPr>
         <p:spPr>
           <a:xfrm>
-            <a:off x="21662613" y="10422876"/>
+            <a:off x="3607817" y="19089654"/>
             <a:ext cx="5038297" cy="2156942"/>
           </a:xfrm>
           <a:prstGeom prst="roundRect">
@@ -4788,8 +4788,8 @@
         </p:nvSpPr>
         <p:spPr>
           <a:xfrm>
-            <a:off x="21662612" y="10541974"/>
-            <a:ext cx="4296167" cy="584775"/>
+            <a:off x="4329540" y="19208752"/>
+            <a:ext cx="4331618" cy="584775"/>
           </a:xfrm>
           <a:prstGeom prst="rect">
             <a:avLst/>
@@ -4833,8 +4833,8 @@
         </p:nvSpPr>
         <p:spPr>
           <a:xfrm>
-            <a:off x="21662612" y="11081169"/>
-            <a:ext cx="4296166" cy="830997"/>
+            <a:off x="4343704" y="19747947"/>
+            <a:ext cx="4302407" cy="830997"/>
           </a:xfrm>
           <a:prstGeom prst="rect">
             <a:avLst/>
@@ -4874,8 +4874,8 @@
         </p:nvSpPr>
         <p:spPr>
           <a:xfrm>
-            <a:off x="3690577" y="24839689"/>
-            <a:ext cx="4994033" cy="2182187"/>
+            <a:off x="21628045" y="10417566"/>
+            <a:ext cx="5028603" cy="2166297"/>
           </a:xfrm>
           <a:prstGeom prst="roundRect">
             <a:avLst/>
@@ -4926,7 +4926,7 @@
         </p:nvSpPr>
         <p:spPr>
           <a:xfrm>
-            <a:off x="1533229" y="24838087"/>
+            <a:off x="25941461" y="10417566"/>
             <a:ext cx="2860433" cy="2156942"/>
           </a:xfrm>
           <a:prstGeom prst="roundRect">
@@ -4987,8 +4987,8 @@
         </p:nvSpPr>
         <p:spPr>
           <a:xfrm>
-            <a:off x="4346917" y="25078715"/>
-            <a:ext cx="4337541" cy="584775"/>
+            <a:off x="21615465" y="10640702"/>
+            <a:ext cx="4337079" cy="584775"/>
           </a:xfrm>
           <a:prstGeom prst="rect">
             <a:avLst/>
@@ -5032,8 +5032,8 @@
         </p:nvSpPr>
         <p:spPr>
           <a:xfrm>
-            <a:off x="4355892" y="25572079"/>
-            <a:ext cx="4328566" cy="830997"/>
+            <a:off x="21615464" y="11134066"/>
+            <a:ext cx="4325997" cy="830997"/>
           </a:xfrm>
           <a:prstGeom prst="rect">
             <a:avLst/>
@@ -5073,8 +5073,8 @@
         </p:nvSpPr>
         <p:spPr>
           <a:xfrm>
-            <a:off x="3667125" y="19088545"/>
-            <a:ext cx="4994033" cy="2133496"/>
+            <a:off x="21636130" y="13321156"/>
+            <a:ext cx="5020518" cy="2133496"/>
           </a:xfrm>
           <a:prstGeom prst="roundRect">
             <a:avLst/>
@@ -5125,8 +5125,8 @@
         </p:nvSpPr>
         <p:spPr>
           <a:xfrm>
-            <a:off x="1495459" y="19101353"/>
-            <a:ext cx="2860433" cy="2156942"/>
+            <a:off x="25941309" y="13314619"/>
+            <a:ext cx="2882595" cy="2156942"/>
           </a:xfrm>
           <a:prstGeom prst="roundRect">
             <a:avLst/>
@@ -5186,8 +5186,8 @@
         </p:nvSpPr>
         <p:spPr>
           <a:xfrm>
-            <a:off x="4393662" y="19253797"/>
-            <a:ext cx="4290796" cy="584775"/>
+            <a:off x="21635979" y="13486408"/>
+            <a:ext cx="4305330" cy="584775"/>
           </a:xfrm>
           <a:prstGeom prst="rect">
             <a:avLst/>
@@ -5231,8 +5231,8 @@
         </p:nvSpPr>
         <p:spPr>
           <a:xfrm>
-            <a:off x="4372624" y="19767090"/>
-            <a:ext cx="4372559" cy="830997"/>
+            <a:off x="21636131" y="13999701"/>
+            <a:ext cx="4305330" cy="830997"/>
           </a:xfrm>
           <a:prstGeom prst="rect">
             <a:avLst/>
@@ -5272,8 +5272,8 @@
         </p:nvSpPr>
         <p:spPr>
           <a:xfrm>
-            <a:off x="21644977" y="13350691"/>
-            <a:ext cx="4994033" cy="2158233"/>
+            <a:off x="3616905" y="13336809"/>
+            <a:ext cx="5029384" cy="2158233"/>
           </a:xfrm>
           <a:prstGeom prst="roundRect">
             <a:avLst/>
@@ -5324,8 +5324,8 @@
         </p:nvSpPr>
         <p:spPr>
           <a:xfrm>
-            <a:off x="25941390" y="13355440"/>
-            <a:ext cx="2913135" cy="2151358"/>
+            <a:off x="1469107" y="13331417"/>
+            <a:ext cx="2860433" cy="2151358"/>
           </a:xfrm>
           <a:prstGeom prst="roundRect">
             <a:avLst/>
@@ -5385,8 +5385,8 @@
         </p:nvSpPr>
         <p:spPr>
           <a:xfrm>
-            <a:off x="21644972" y="13541026"/>
-            <a:ext cx="4372560" cy="584775"/>
+            <a:off x="4344481" y="13527144"/>
+            <a:ext cx="4316677" cy="584775"/>
           </a:xfrm>
           <a:prstGeom prst="rect">
             <a:avLst/>
@@ -5430,8 +5430,8 @@
         </p:nvSpPr>
         <p:spPr>
           <a:xfrm>
-            <a:off x="21644974" y="14034389"/>
-            <a:ext cx="4337388" cy="830997"/>
+            <a:off x="4344478" y="14020507"/>
+            <a:ext cx="4301636" cy="830997"/>
           </a:xfrm>
           <a:prstGeom prst="rect">
             <a:avLst/>
@@ -5471,8 +5471,8 @@
         </p:nvSpPr>
         <p:spPr>
           <a:xfrm>
-            <a:off x="21632045" y="16210780"/>
-            <a:ext cx="4994033" cy="2149329"/>
+            <a:off x="21640800" y="19092668"/>
+            <a:ext cx="4967564" cy="2141136"/>
           </a:xfrm>
           <a:prstGeom prst="roundRect">
             <a:avLst/>
@@ -5523,7 +5523,7 @@
         </p:nvSpPr>
         <p:spPr>
           <a:xfrm>
-            <a:off x="25981158" y="16215527"/>
+            <a:off x="25963444" y="19089222"/>
             <a:ext cx="2860433" cy="2156942"/>
           </a:xfrm>
           <a:prstGeom prst="roundRect">
@@ -5584,7 +5584,7 @@
         </p:nvSpPr>
         <p:spPr>
           <a:xfrm>
-            <a:off x="21632039" y="16401113"/>
+            <a:off x="21614325" y="19274808"/>
             <a:ext cx="4360836" cy="584775"/>
           </a:xfrm>
           <a:prstGeom prst="rect">
@@ -5629,7 +5629,7 @@
         </p:nvSpPr>
         <p:spPr>
           <a:xfrm>
-            <a:off x="21632045" y="16894478"/>
+            <a:off x="21614331" y="19768173"/>
             <a:ext cx="4325665" cy="830997"/>
           </a:xfrm>
           <a:prstGeom prst="rect">
@@ -5670,8 +5670,8 @@
         </p:nvSpPr>
         <p:spPr>
           <a:xfrm>
-            <a:off x="21614326" y="19059535"/>
-            <a:ext cx="5083296" cy="2133496"/>
+            <a:off x="3628650" y="21965919"/>
+            <a:ext cx="5038298" cy="2146815"/>
           </a:xfrm>
           <a:prstGeom prst="roundRect">
             <a:avLst/>
@@ -5722,8 +5722,8 @@
         </p:nvSpPr>
         <p:spPr>
           <a:xfrm>
-            <a:off x="25981158" y="19064281"/>
-            <a:ext cx="2860433" cy="2140473"/>
+            <a:off x="1457070" y="21965920"/>
+            <a:ext cx="2895608" cy="2158968"/>
           </a:xfrm>
           <a:prstGeom prst="roundRect">
             <a:avLst/>
@@ -5765,7 +5765,7 @@
           <a:lstStyle/>
           <a:p>
             <a:pPr algn="ctr"/>
-            <a:endParaRPr lang="en-MY"/>
+            <a:endParaRPr lang="en-MY" dirty="0"/>
           </a:p>
         </p:txBody>
       </p:sp>
@@ -5783,8 +5783,8 @@
         </p:nvSpPr>
         <p:spPr>
           <a:xfrm>
-            <a:off x="21703585" y="19249867"/>
-            <a:ext cx="4349113" cy="584775"/>
+            <a:off x="4336395" y="22169571"/>
+            <a:ext cx="4317611" cy="584775"/>
           </a:xfrm>
           <a:prstGeom prst="rect">
             <a:avLst/>
@@ -5828,8 +5828,8 @@
         </p:nvSpPr>
         <p:spPr>
           <a:xfrm>
-            <a:off x="21703585" y="19743232"/>
-            <a:ext cx="4313942" cy="830997"/>
+            <a:off x="4329539" y="22662936"/>
+            <a:ext cx="4338476" cy="830997"/>
           </a:xfrm>
           <a:prstGeom prst="rect">
             <a:avLst/>
@@ -5869,7 +5869,7 @@
         </p:nvSpPr>
         <p:spPr>
           <a:xfrm>
-            <a:off x="3690577" y="27729384"/>
+            <a:off x="3638903" y="16203004"/>
             <a:ext cx="4994033" cy="2173310"/>
           </a:xfrm>
           <a:prstGeom prst="roundRect">
@@ -5921,7 +5921,7 @@
         </p:nvSpPr>
         <p:spPr>
           <a:xfrm>
-            <a:off x="4405692" y="27959531"/>
+            <a:off x="4354018" y="16433151"/>
             <a:ext cx="4278766" cy="584775"/>
           </a:xfrm>
           <a:prstGeom prst="rect">
@@ -5966,7 +5966,7 @@
         </p:nvSpPr>
         <p:spPr>
           <a:xfrm>
-            <a:off x="4405540" y="28452895"/>
+            <a:off x="4353866" y="16926515"/>
             <a:ext cx="4278918" cy="830997"/>
           </a:xfrm>
           <a:prstGeom prst="rect">
@@ -6007,7 +6007,7 @@
         </p:nvSpPr>
         <p:spPr>
           <a:xfrm>
-            <a:off x="3667128" y="16231084"/>
+            <a:off x="3664692" y="7578002"/>
             <a:ext cx="4994033" cy="2133496"/>
           </a:xfrm>
           <a:prstGeom prst="roundRect">
@@ -6059,7 +6059,7 @@
         </p:nvSpPr>
         <p:spPr>
           <a:xfrm>
-            <a:off x="4347066" y="16473697"/>
+            <a:off x="4344630" y="7820615"/>
             <a:ext cx="4360835" cy="584775"/>
           </a:xfrm>
           <a:prstGeom prst="rect">
@@ -6104,7 +6104,7 @@
         </p:nvSpPr>
         <p:spPr>
           <a:xfrm>
-            <a:off x="4323475" y="16869095"/>
+            <a:off x="4321039" y="8216013"/>
             <a:ext cx="4325665" cy="830997"/>
           </a:xfrm>
           <a:prstGeom prst="rect">
@@ -6159,8 +6159,8 @@
         </p:blipFill>
         <p:spPr>
           <a:xfrm>
-            <a:off x="1492433" y="7571649"/>
-            <a:ext cx="2901229" cy="2133496"/>
+            <a:off x="25952543" y="21965919"/>
+            <a:ext cx="2869748" cy="2157416"/>
           </a:xfrm>
           <a:prstGeom prst="roundRect">
             <a:avLst/>
@@ -6195,8 +6195,8 @@
         </p:blipFill>
         <p:spPr>
           <a:xfrm>
-            <a:off x="1492564" y="16201749"/>
-            <a:ext cx="2866224" cy="2162832"/>
+            <a:off x="1458410" y="7578001"/>
+            <a:ext cx="2877986" cy="2133497"/>
           </a:xfrm>
           <a:prstGeom prst="roundRect">
             <a:avLst/>
@@ -6231,7 +6231,7 @@
         </p:blipFill>
         <p:spPr>
           <a:xfrm>
-            <a:off x="1510084" y="27727251"/>
+            <a:off x="1458410" y="16200871"/>
             <a:ext cx="2895608" cy="2165342"/>
           </a:xfrm>
           <a:prstGeom prst="roundRect">
@@ -6267,7 +6267,7 @@
         </p:blipFill>
         <p:spPr>
           <a:xfrm>
-            <a:off x="25951739" y="10439199"/>
+            <a:off x="1462066" y="19085515"/>
             <a:ext cx="2867474" cy="2158233"/>
           </a:xfrm>
           <a:prstGeom prst="roundRect">
@@ -6289,8 +6289,8 @@
         </p:nvSpPr>
         <p:spPr>
           <a:xfrm>
-            <a:off x="21644977" y="21976553"/>
-            <a:ext cx="4994033" cy="2158233"/>
+            <a:off x="3607817" y="27749246"/>
+            <a:ext cx="5050911" cy="2158233"/>
           </a:xfrm>
           <a:prstGeom prst="roundRect">
             <a:avLst/>
@@ -6341,8 +6341,8 @@
         </p:nvSpPr>
         <p:spPr>
           <a:xfrm>
-            <a:off x="21644972" y="22166888"/>
-            <a:ext cx="4312738" cy="584775"/>
+            <a:off x="4352678" y="27939581"/>
+            <a:ext cx="4315336" cy="584775"/>
           </a:xfrm>
           <a:prstGeom prst="rect">
             <a:avLst/>
@@ -6386,8 +6386,8 @@
         </p:nvSpPr>
         <p:spPr>
           <a:xfrm>
-            <a:off x="21644974" y="22660251"/>
-            <a:ext cx="4337388" cy="830997"/>
+            <a:off x="4343704" y="28432944"/>
+            <a:ext cx="3658376" cy="830997"/>
           </a:xfrm>
           <a:prstGeom prst="rect">
             <a:avLst/>
@@ -6672,8 +6672,8 @@
         </p:blipFill>
         <p:spPr>
           <a:xfrm>
-            <a:off x="25958777" y="21964830"/>
-            <a:ext cx="2853819" cy="2180492"/>
+            <a:off x="1498859" y="27737196"/>
+            <a:ext cx="2853819" cy="2147476"/>
           </a:xfrm>
           <a:prstGeom prst="roundRect">
             <a:avLst/>
@@ -7045,8 +7045,8 @@
         </p:nvSpPr>
         <p:spPr>
           <a:xfrm>
-            <a:off x="4355892" y="9151147"/>
-            <a:ext cx="4234925" cy="369332"/>
+            <a:off x="21610725" y="23550588"/>
+            <a:ext cx="4341817" cy="369332"/>
           </a:xfrm>
           <a:prstGeom prst="rect">
             <a:avLst/>
@@ -7127,8 +7127,8 @@
         </p:nvSpPr>
         <p:spPr>
           <a:xfrm>
-            <a:off x="4346917" y="14910564"/>
-            <a:ext cx="4325963" cy="369332"/>
+            <a:off x="4329537" y="26413745"/>
+            <a:ext cx="4316573" cy="369332"/>
           </a:xfrm>
           <a:prstGeom prst="rect">
             <a:avLst/>
@@ -7168,7 +7168,7 @@
         </p:nvSpPr>
         <p:spPr>
           <a:xfrm>
-            <a:off x="4346917" y="17792123"/>
+            <a:off x="4344481" y="9139041"/>
             <a:ext cx="4290945" cy="369332"/>
           </a:xfrm>
           <a:prstGeom prst="rect">
@@ -7209,8 +7209,8 @@
         </p:nvSpPr>
         <p:spPr>
           <a:xfrm>
-            <a:off x="4346917" y="20733321"/>
-            <a:ext cx="4325963" cy="369332"/>
+            <a:off x="21635980" y="14884500"/>
+            <a:ext cx="4305329" cy="369332"/>
           </a:xfrm>
           <a:prstGeom prst="rect">
             <a:avLst/>
@@ -7250,8 +7250,8 @@
         </p:nvSpPr>
         <p:spPr>
           <a:xfrm>
-            <a:off x="4367758" y="23512737"/>
-            <a:ext cx="4312343" cy="369332"/>
+            <a:off x="21615464" y="9106235"/>
+            <a:ext cx="4318981" cy="369332"/>
           </a:xfrm>
           <a:prstGeom prst="rect">
             <a:avLst/>
@@ -7291,8 +7291,8 @@
         </p:nvSpPr>
         <p:spPr>
           <a:xfrm>
-            <a:off x="4368844" y="26527108"/>
-            <a:ext cx="4311257" cy="369332"/>
+            <a:off x="21615464" y="12017908"/>
+            <a:ext cx="4323072" cy="369332"/>
           </a:xfrm>
           <a:prstGeom prst="rect">
             <a:avLst/>
@@ -7332,7 +7332,7 @@
         </p:nvSpPr>
         <p:spPr>
           <a:xfrm>
-            <a:off x="4355892" y="29335242"/>
+            <a:off x="4304218" y="17808862"/>
             <a:ext cx="4311257" cy="369332"/>
           </a:xfrm>
           <a:prstGeom prst="rect">
@@ -7373,7 +7373,7 @@
         </p:nvSpPr>
         <p:spPr>
           <a:xfrm>
-            <a:off x="21678752" y="9133761"/>
+            <a:off x="21665658" y="17787012"/>
             <a:ext cx="4302406" cy="369332"/>
           </a:xfrm>
           <a:prstGeom prst="rect">
@@ -7414,8 +7414,8 @@
         </p:nvSpPr>
         <p:spPr>
           <a:xfrm>
-            <a:off x="21662611" y="12000739"/>
-            <a:ext cx="4302406" cy="369332"/>
+            <a:off x="4353369" y="20667516"/>
+            <a:ext cx="4307788" cy="377977"/>
           </a:xfrm>
           <a:prstGeom prst="rect">
             <a:avLst/>
@@ -7455,8 +7455,8 @@
         </p:nvSpPr>
         <p:spPr>
           <a:xfrm>
-            <a:off x="21650138" y="14944515"/>
-            <a:ext cx="4302406" cy="369332"/>
+            <a:off x="4344481" y="14975535"/>
+            <a:ext cx="4309526" cy="369332"/>
           </a:xfrm>
           <a:prstGeom prst="rect">
             <a:avLst/>
@@ -7496,7 +7496,7 @@
         </p:nvSpPr>
         <p:spPr>
           <a:xfrm>
-            <a:off x="21632039" y="17842911"/>
+            <a:off x="21614325" y="20716606"/>
             <a:ext cx="4302406" cy="369332"/>
           </a:xfrm>
           <a:prstGeom prst="rect">
@@ -7537,8 +7537,8 @@
         </p:nvSpPr>
         <p:spPr>
           <a:xfrm>
-            <a:off x="21614325" y="20676162"/>
-            <a:ext cx="4302406" cy="369332"/>
+            <a:off x="4329538" y="23595866"/>
+            <a:ext cx="4324467" cy="369332"/>
           </a:xfrm>
           <a:prstGeom prst="rect">
             <a:avLst/>
@@ -7578,8 +7578,8 @@
         </p:nvSpPr>
         <p:spPr>
           <a:xfrm>
-            <a:off x="21650138" y="23595866"/>
-            <a:ext cx="4302406" cy="369332"/>
+            <a:off x="4370516" y="29368559"/>
+            <a:ext cx="4290641" cy="369332"/>
           </a:xfrm>
           <a:prstGeom prst="rect">
             <a:avLst/>
@@ -7724,6 +7724,92 @@
                 <a:latin typeface="Aharoni"/>
               </a:rPr>
               <a:t>+1,733</a:t>
+            </a:r>
+          </a:p>
+        </p:txBody>
+      </p:sp>
+      <p:sp>
+        <p:nvSpPr>
+          <p:cNvPr id="43" name="TextBox 42">
+            <a:extLst>
+              <a:ext uri="{FF2B5EF4-FFF2-40B4-BE49-F238E27FC236}">
+                <a16:creationId xmlns:a16="http://schemas.microsoft.com/office/drawing/2014/main" id="{C0001FF3-4842-2C4E-5AFE-01CFF6C12ACF}"/>
+              </a:ext>
+            </a:extLst>
+          </p:cNvPr>
+          <p:cNvSpPr txBox="1"/>
+          <p:nvPr/>
+        </p:nvSpPr>
+        <p:spPr>
+          <a:xfrm>
+            <a:off x="21635978" y="16417123"/>
+            <a:ext cx="4316565" cy="584775"/>
+          </a:xfrm>
+          <a:prstGeom prst="rect">
+            <a:avLst/>
+          </a:prstGeom>
+          <a:noFill/>
+        </p:spPr>
+        <p:txBody>
+          <a:bodyPr wrap="square" rtlCol="0">
+            <a:spAutoFit/>
+          </a:bodyPr>
+          <a:lstStyle/>
+          <a:p>
+            <a:pPr algn="ctr"/>
+            <a:r>
+              <a:rPr lang="en-US" sz="3200" b="1" dirty="0">
+                <a:latin typeface="Aharoni" panose="02010803020104030203" pitchFamily="2" charset="-79"/>
+                <a:ea typeface="Verdana" panose="020B0604030504040204" pitchFamily="34" charset="0"/>
+                <a:cs typeface="Aharoni" panose="02010803020104030203" pitchFamily="2" charset="-79"/>
+              </a:rPr>
+              <a:t>SELANGOR</a:t>
+            </a:r>
+            <a:endParaRPr lang="en-MY" sz="3200" b="1" dirty="0">
+              <a:latin typeface="Aharoni" panose="02010803020104030203" pitchFamily="2" charset="-79"/>
+              <a:ea typeface="Verdana" panose="020B0604030504040204" pitchFamily="34" charset="0"/>
+              <a:cs typeface="Aharoni" panose="02010803020104030203" pitchFamily="2" charset="-79"/>
+            </a:endParaRPr>
+          </a:p>
+        </p:txBody>
+      </p:sp>
+      <p:sp>
+        <p:nvSpPr>
+          <p:cNvPr id="44" name="TextBox 43">
+            <a:extLst>
+              <a:ext uri="{FF2B5EF4-FFF2-40B4-BE49-F238E27FC236}">
+                <a16:creationId xmlns:a16="http://schemas.microsoft.com/office/drawing/2014/main" id="{72F5A50F-6716-C863-5297-0BB8E5102132}"/>
+              </a:ext>
+            </a:extLst>
+          </p:cNvPr>
+          <p:cNvSpPr txBox="1"/>
+          <p:nvPr/>
+        </p:nvSpPr>
+        <p:spPr>
+          <a:xfrm>
+            <a:off x="21632039" y="16817408"/>
+            <a:ext cx="4325665" cy="707886"/>
+          </a:xfrm>
+          <a:prstGeom prst="rect">
+            <a:avLst/>
+          </a:prstGeom>
+          <a:noFill/>
+        </p:spPr>
+        <p:txBody>
+          <a:bodyPr wrap="square" rtlCol="0">
+            <a:spAutoFit/>
+          </a:bodyPr>
+          <a:lstStyle/>
+          <a:p>
+            <a:pPr algn="ctr"/>
+            <a:r>
+              <a:rPr sz="5600" b="1">
+                <a:solidFill>
+                  <a:srgbClr val="000000"/>
+                </a:solidFill>
+                <a:latin typeface="Aharoni"/>
+              </a:rPr>
+              <a:t>2,049</a:t>
             </a:r>
           </a:p>
         </p:txBody>
